--- a/Lectures/Lecture 9 - Microbiome.pptx
+++ b/Lectures/Lecture 9 - Microbiome.pptx
@@ -25173,7 +25173,7 @@
             <a:pPr algn="l" eaLnBrk="1" hangingPunct="1"/>
             <a:r>
               <a:rPr lang="en-US" sz="3200" b="1" dirty="0"/>
-              <a:t>Thursday</a:t>
+              <a:t>Wednesday</a:t>
             </a:r>
             <a:endParaRPr lang="en-US" sz="3200" dirty="0"/>
           </a:p>
@@ -25181,10 +25181,10 @@
       </p:sp>
       <p:pic>
         <p:nvPicPr>
-          <p:cNvPr id="4" name="Picture 3">
+          <p:cNvPr id="3" name="Picture 2">
             <a:extLst>
               <a:ext uri="{FF2B5EF4-FFF2-40B4-BE49-F238E27FC236}">
-                <a16:creationId xmlns:a16="http://schemas.microsoft.com/office/drawing/2014/main" id="{16A47BA6-4BC9-3346-BAE2-FB932D8B8844}"/>
+                <a16:creationId xmlns:a16="http://schemas.microsoft.com/office/drawing/2014/main" id="{009B8A89-F62A-C548-9661-B9A0B665E724}"/>
               </a:ext>
             </a:extLst>
           </p:cNvPr>
@@ -25201,8 +25201,8 @@
         </p:blipFill>
         <p:spPr>
           <a:xfrm>
-            <a:off x="233772" y="1655816"/>
-            <a:ext cx="8676456" cy="3546368"/>
+            <a:off x="354574" y="1124744"/>
+            <a:ext cx="8011684" cy="4808775"/>
           </a:xfrm>
           <a:prstGeom prst="rect">
             <a:avLst/>
